--- a/Documentation/SOARES_FELIPE_designposter.pptx
+++ b/Documentation/SOARES_FELIPE_designposter.pptx
@@ -2080,7 +2080,7 @@
         </p:nvSpPr>
         <p:spPr bwMode="auto">
           <a:xfrm>
-            <a:off x="1091812" y="9207367"/>
+            <a:off x="1084740" y="7357379"/>
             <a:ext cx="9372600" cy="9417963"/>
           </a:xfrm>
           <a:prstGeom prst="rect">
@@ -2475,7 +2475,7 @@
                   <a:srgbClr val="FFFFFF"/>
                 </a:solidFill>
               </a:rPr>
-              <a:t>Dr. Shihong Huang Ph. D.</a:t>
+              <a:t>Dr. Shihong Huang</a:t>
             </a:r>
             <a:endParaRPr lang="en-US" altLang="en-US" sz="6600" dirty="0">
               <a:solidFill>
@@ -2770,335 +2770,6 @@
           </a:p>
         </p:txBody>
       </p:sp>
-      <p:pic>
-        <p:nvPicPr>
-          <p:cNvPr id="4106" name="Picture 10"/>
-          <p:cNvPicPr>
-            <a:picLocks noChangeAspect="1"/>
-          </p:cNvPicPr>
-          <p:nvPr/>
-        </p:nvPicPr>
-        <p:blipFill>
-          <a:blip r:embed="rId3">
-            <a:extLst>
-              <a:ext uri="{28A0092B-C50C-407E-A947-70E740481C1C}">
-                <a14:useLocalDpi xmlns:a14="http://schemas.microsoft.com/office/drawing/2010/main" val="0"/>
-              </a:ext>
-            </a:extLst>
-          </a:blip>
-          <a:srcRect/>
-          <a:stretch>
-            <a:fillRect/>
-          </a:stretch>
-        </p:blipFill>
-        <p:spPr bwMode="auto">
-          <a:xfrm>
-            <a:off x="11855450" y="17470438"/>
-            <a:ext cx="7956550" cy="12628562"/>
-          </a:xfrm>
-          <a:prstGeom prst="rect">
-            <a:avLst/>
-          </a:prstGeom>
-          <a:noFill/>
-          <a:ln>
-            <a:noFill/>
-          </a:ln>
-          <a:extLst>
-            <a:ext uri="{909E8E84-426E-40DD-AFC4-6F175D3DCCD1}">
-              <a14:hiddenFill xmlns:a14="http://schemas.microsoft.com/office/drawing/2010/main">
-                <a:solidFill>
-                  <a:srgbClr val="FFFFFF"/>
-                </a:solidFill>
-              </a14:hiddenFill>
-            </a:ext>
-            <a:ext uri="{91240B29-F687-4F45-9708-019B960494DF}">
-              <a14:hiddenLine xmlns:a14="http://schemas.microsoft.com/office/drawing/2010/main" w="9525">
-                <a:solidFill>
-                  <a:srgbClr val="000000"/>
-                </a:solidFill>
-                <a:miter lim="800000"/>
-                <a:headEnd/>
-                <a:tailEnd/>
-              </a14:hiddenLine>
-            </a:ext>
-          </a:extLst>
-        </p:spPr>
-      </p:pic>
-      <p:pic>
-        <p:nvPicPr>
-          <p:cNvPr id="4107" name="Picture 3"/>
-          <p:cNvPicPr>
-            <a:picLocks noChangeAspect="1"/>
-          </p:cNvPicPr>
-          <p:nvPr/>
-        </p:nvPicPr>
-        <p:blipFill>
-          <a:blip r:embed="rId4">
-            <a:extLst>
-              <a:ext uri="{28A0092B-C50C-407E-A947-70E740481C1C}">
-                <a14:useLocalDpi xmlns:a14="http://schemas.microsoft.com/office/drawing/2010/main" val="0"/>
-              </a:ext>
-            </a:extLst>
-          </a:blip>
-          <a:srcRect/>
-          <a:stretch>
-            <a:fillRect/>
-          </a:stretch>
-        </p:blipFill>
-        <p:spPr bwMode="auto">
-          <a:xfrm>
-            <a:off x="20291425" y="8867775"/>
-            <a:ext cx="12550775" cy="6694488"/>
-          </a:xfrm>
-          <a:prstGeom prst="rect">
-            <a:avLst/>
-          </a:prstGeom>
-          <a:noFill/>
-          <a:ln>
-            <a:noFill/>
-          </a:ln>
-          <a:extLst>
-            <a:ext uri="{909E8E84-426E-40DD-AFC4-6F175D3DCCD1}">
-              <a14:hiddenFill xmlns:a14="http://schemas.microsoft.com/office/drawing/2010/main">
-                <a:solidFill>
-                  <a:srgbClr val="FFFFFF"/>
-                </a:solidFill>
-              </a14:hiddenFill>
-            </a:ext>
-            <a:ext uri="{91240B29-F687-4F45-9708-019B960494DF}">
-              <a14:hiddenLine xmlns:a14="http://schemas.microsoft.com/office/drawing/2010/main" w="9525">
-                <a:solidFill>
-                  <a:srgbClr val="000000"/>
-                </a:solidFill>
-                <a:miter lim="800000"/>
-                <a:headEnd/>
-                <a:tailEnd/>
-              </a14:hiddenLine>
-            </a:ext>
-          </a:extLst>
-        </p:spPr>
-      </p:pic>
-      <p:pic>
-        <p:nvPicPr>
-          <p:cNvPr id="4108" name="Picture 4"/>
-          <p:cNvPicPr>
-            <a:picLocks noChangeAspect="1"/>
-          </p:cNvPicPr>
-          <p:nvPr/>
-        </p:nvPicPr>
-        <p:blipFill>
-          <a:blip r:embed="rId5">
-            <a:extLst>
-              <a:ext uri="{28A0092B-C50C-407E-A947-70E740481C1C}">
-                <a14:useLocalDpi xmlns:a14="http://schemas.microsoft.com/office/drawing/2010/main" val="0"/>
-              </a:ext>
-            </a:extLst>
-          </a:blip>
-          <a:srcRect/>
-          <a:stretch>
-            <a:fillRect/>
-          </a:stretch>
-        </p:blipFill>
-        <p:spPr bwMode="auto">
-          <a:xfrm>
-            <a:off x="20029488" y="17145000"/>
-            <a:ext cx="12612687" cy="13527088"/>
-          </a:xfrm>
-          <a:prstGeom prst="rect">
-            <a:avLst/>
-          </a:prstGeom>
-          <a:noFill/>
-          <a:ln>
-            <a:noFill/>
-          </a:ln>
-          <a:extLst>
-            <a:ext uri="{909E8E84-426E-40DD-AFC4-6F175D3DCCD1}">
-              <a14:hiddenFill xmlns:a14="http://schemas.microsoft.com/office/drawing/2010/main">
-                <a:solidFill>
-                  <a:srgbClr val="FFFFFF"/>
-                </a:solidFill>
-              </a14:hiddenFill>
-            </a:ext>
-            <a:ext uri="{91240B29-F687-4F45-9708-019B960494DF}">
-              <a14:hiddenLine xmlns:a14="http://schemas.microsoft.com/office/drawing/2010/main" w="9525">
-                <a:solidFill>
-                  <a:srgbClr val="000000"/>
-                </a:solidFill>
-                <a:miter lim="800000"/>
-                <a:headEnd/>
-                <a:tailEnd/>
-              </a14:hiddenLine>
-            </a:ext>
-          </a:extLst>
-        </p:spPr>
-      </p:pic>
-      <p:sp>
-        <p:nvSpPr>
-          <p:cNvPr id="18" name="TextBox 2"/>
-          <p:cNvSpPr txBox="1">
-            <a:spLocks noChangeArrowheads="1"/>
-          </p:cNvSpPr>
-          <p:nvPr/>
-        </p:nvSpPr>
-        <p:spPr bwMode="auto">
-          <a:xfrm>
-            <a:off x="21440775" y="16282988"/>
-            <a:ext cx="9791700" cy="862012"/>
-          </a:xfrm>
-          <a:prstGeom prst="rect">
-            <a:avLst/>
-          </a:prstGeom>
-          <a:noFill/>
-          <a:ln>
-            <a:noFill/>
-          </a:ln>
-          <a:extLst>
-            <a:ext uri="{909E8E84-426E-40DD-AFC4-6F175D3DCCD1}">
-              <a14:hiddenFill xmlns:a14="http://schemas.microsoft.com/office/drawing/2010/main">
-                <a:solidFill>
-                  <a:srgbClr val="FFFFFF"/>
-                </a:solidFill>
-              </a14:hiddenFill>
-            </a:ext>
-            <a:ext uri="{91240B29-F687-4F45-9708-019B960494DF}">
-              <a14:hiddenLine xmlns:a14="http://schemas.microsoft.com/office/drawing/2010/main" w="9525">
-                <a:solidFill>
-                  <a:srgbClr val="000000"/>
-                </a:solidFill>
-                <a:miter lim="800000"/>
-                <a:headEnd/>
-                <a:tailEnd/>
-              </a14:hiddenLine>
-            </a:ext>
-          </a:extLst>
-        </p:spPr>
-        <p:txBody>
-          <a:bodyPr>
-            <a:spAutoFit/>
-          </a:bodyPr>
-          <a:lstStyle>
-            <a:lvl1pPr>
-              <a:defRPr sz="8600">
-                <a:solidFill>
-                  <a:schemeClr val="tx1"/>
-                </a:solidFill>
-                <a:latin typeface="Calibri" panose="020F0502020204030204" pitchFamily="34" charset="0"/>
-                <a:ea typeface="ＭＳ Ｐゴシック" panose="020B0600070205080204" pitchFamily="34" charset="-128"/>
-              </a:defRPr>
-            </a:lvl1pPr>
-            <a:lvl2pPr marL="742950" indent="-285750">
-              <a:defRPr sz="8600">
-                <a:solidFill>
-                  <a:schemeClr val="tx1"/>
-                </a:solidFill>
-                <a:latin typeface="Calibri" panose="020F0502020204030204" pitchFamily="34" charset="0"/>
-                <a:ea typeface="ＭＳ Ｐゴシック" panose="020B0600070205080204" pitchFamily="34" charset="-128"/>
-              </a:defRPr>
-            </a:lvl2pPr>
-            <a:lvl3pPr marL="1143000" indent="-228600">
-              <a:defRPr sz="8600">
-                <a:solidFill>
-                  <a:schemeClr val="tx1"/>
-                </a:solidFill>
-                <a:latin typeface="Calibri" panose="020F0502020204030204" pitchFamily="34" charset="0"/>
-                <a:ea typeface="ＭＳ Ｐゴシック" panose="020B0600070205080204" pitchFamily="34" charset="-128"/>
-              </a:defRPr>
-            </a:lvl3pPr>
-            <a:lvl4pPr marL="1600200" indent="-228600">
-              <a:defRPr sz="8600">
-                <a:solidFill>
-                  <a:schemeClr val="tx1"/>
-                </a:solidFill>
-                <a:latin typeface="Calibri" panose="020F0502020204030204" pitchFamily="34" charset="0"/>
-                <a:ea typeface="ＭＳ Ｐゴシック" panose="020B0600070205080204" pitchFamily="34" charset="-128"/>
-              </a:defRPr>
-            </a:lvl4pPr>
-            <a:lvl5pPr marL="2057400" indent="-228600">
-              <a:defRPr sz="8600">
-                <a:solidFill>
-                  <a:schemeClr val="tx1"/>
-                </a:solidFill>
-                <a:latin typeface="Calibri" panose="020F0502020204030204" pitchFamily="34" charset="0"/>
-                <a:ea typeface="ＭＳ Ｐゴシック" panose="020B0600070205080204" pitchFamily="34" charset="-128"/>
-              </a:defRPr>
-            </a:lvl5pPr>
-            <a:lvl6pPr marL="2514600" indent="-228600" defTabSz="4387850" eaLnBrk="0" fontAlgn="base" hangingPunct="0">
-              <a:spcBef>
-                <a:spcPct val="0"/>
-              </a:spcBef>
-              <a:spcAft>
-                <a:spcPct val="0"/>
-              </a:spcAft>
-              <a:defRPr sz="8600">
-                <a:solidFill>
-                  <a:schemeClr val="tx1"/>
-                </a:solidFill>
-                <a:latin typeface="Calibri" panose="020F0502020204030204" pitchFamily="34" charset="0"/>
-                <a:ea typeface="ＭＳ Ｐゴシック" panose="020B0600070205080204" pitchFamily="34" charset="-128"/>
-              </a:defRPr>
-            </a:lvl6pPr>
-            <a:lvl7pPr marL="2971800" indent="-228600" defTabSz="4387850" eaLnBrk="0" fontAlgn="base" hangingPunct="0">
-              <a:spcBef>
-                <a:spcPct val="0"/>
-              </a:spcBef>
-              <a:spcAft>
-                <a:spcPct val="0"/>
-              </a:spcAft>
-              <a:defRPr sz="8600">
-                <a:solidFill>
-                  <a:schemeClr val="tx1"/>
-                </a:solidFill>
-                <a:latin typeface="Calibri" panose="020F0502020204030204" pitchFamily="34" charset="0"/>
-                <a:ea typeface="ＭＳ Ｐゴシック" panose="020B0600070205080204" pitchFamily="34" charset="-128"/>
-              </a:defRPr>
-            </a:lvl7pPr>
-            <a:lvl8pPr marL="3429000" indent="-228600" defTabSz="4387850" eaLnBrk="0" fontAlgn="base" hangingPunct="0">
-              <a:spcBef>
-                <a:spcPct val="0"/>
-              </a:spcBef>
-              <a:spcAft>
-                <a:spcPct val="0"/>
-              </a:spcAft>
-              <a:defRPr sz="8600">
-                <a:solidFill>
-                  <a:schemeClr val="tx1"/>
-                </a:solidFill>
-                <a:latin typeface="Calibri" panose="020F0502020204030204" pitchFamily="34" charset="0"/>
-                <a:ea typeface="ＭＳ Ｐゴシック" panose="020B0600070205080204" pitchFamily="34" charset="-128"/>
-              </a:defRPr>
-            </a:lvl8pPr>
-            <a:lvl9pPr marL="3886200" indent="-228600" defTabSz="4387850" eaLnBrk="0" fontAlgn="base" hangingPunct="0">
-              <a:spcBef>
-                <a:spcPct val="0"/>
-              </a:spcBef>
-              <a:spcAft>
-                <a:spcPct val="0"/>
-              </a:spcAft>
-              <a:defRPr sz="8600">
-                <a:solidFill>
-                  <a:schemeClr val="tx1"/>
-                </a:solidFill>
-                <a:latin typeface="Calibri" panose="020F0502020204030204" pitchFamily="34" charset="0"/>
-                <a:ea typeface="ＭＳ Ｐゴシック" panose="020B0600070205080204" pitchFamily="34" charset="-128"/>
-              </a:defRPr>
-            </a:lvl9pPr>
-          </a:lstStyle>
-          <a:p>
-            <a:pPr algn="ctr">
-              <a:defRPr/>
-            </a:pPr>
-            <a:r>
-              <a:rPr lang="en-US" altLang="en-US" sz="5000" b="1" dirty="0">
-                <a:solidFill>
-                  <a:prstClr val="black"/>
-                </a:solidFill>
-                <a:cs typeface="+mn-cs"/>
-              </a:rPr>
-              <a:t>University System Architecture</a:t>
-            </a:r>
-          </a:p>
-        </p:txBody>
-      </p:sp>
       <p:sp>
         <p:nvSpPr>
           <p:cNvPr id="20" name="TextBox 2"/>
@@ -3261,7 +2932,7 @@
                 </a:solidFill>
                 <a:cs typeface="+mn-cs"/>
               </a:rPr>
-              <a:t>Java Spring UI Screen Example</a:t>
+              <a:t>Student Information Screen</a:t>
             </a:r>
           </a:p>
         </p:txBody>
@@ -3925,7 +3596,7 @@
         </p:nvGrpSpPr>
         <p:grpSpPr>
           <a:xfrm>
-            <a:off x="1350963" y="20824078"/>
+            <a:off x="33826450" y="20610032"/>
             <a:ext cx="9296400" cy="10095071"/>
             <a:chOff x="33869663" y="20606763"/>
             <a:chExt cx="9296400" cy="10095071"/>
@@ -4314,7 +3985,7 @@
             <p:nvPr/>
           </p:nvPicPr>
           <p:blipFill>
-            <a:blip r:embed="rId6">
+            <a:blip r:embed="rId3">
               <a:extLst>
                 <a:ext uri="{28A0092B-C50C-407E-A947-70E740481C1C}">
                   <a14:useLocalDpi xmlns:a14="http://schemas.microsoft.com/office/drawing/2010/main" val="0"/>
@@ -4344,7 +4015,7 @@
             <p:nvPr/>
           </p:nvPicPr>
           <p:blipFill>
-            <a:blip r:embed="rId7">
+            <a:blip r:embed="rId4">
               <a:extLst>
                 <a:ext uri="{28A0092B-C50C-407E-A947-70E740481C1C}">
                   <a14:useLocalDpi xmlns:a14="http://schemas.microsoft.com/office/drawing/2010/main" val="0"/>
@@ -4374,7 +4045,7 @@
             <p:nvPr/>
           </p:nvPicPr>
           <p:blipFill>
-            <a:blip r:embed="rId8">
+            <a:blip r:embed="rId5">
               <a:extLst>
                 <a:ext uri="{28A0092B-C50C-407E-A947-70E740481C1C}">
                   <a14:useLocalDpi xmlns:a14="http://schemas.microsoft.com/office/drawing/2010/main" val="0"/>
@@ -4405,7 +4076,7 @@
           <p:nvPr/>
         </p:nvPicPr>
         <p:blipFill>
-          <a:blip r:embed="rId9">
+          <a:blip r:embed="rId6">
             <a:extLst>
               <a:ext uri="{28A0092B-C50C-407E-A947-70E740481C1C}">
                 <a14:useLocalDpi xmlns:a14="http://schemas.microsoft.com/office/drawing/2010/main" val="0"/>
@@ -4466,8 +4137,8 @@
         </p:nvSpPr>
         <p:spPr>
           <a:xfrm>
-            <a:off x="33640149" y="10488721"/>
-            <a:ext cx="9432925" cy="16589157"/>
+            <a:off x="1054577" y="17656365"/>
+            <a:ext cx="9432925" cy="13203615"/>
           </a:xfrm>
           <a:prstGeom prst="rect">
             <a:avLst/>
@@ -4509,7 +4180,7 @@
                   <a:srgbClr val="000000"/>
                 </a:solidFill>
               </a:rPr>
-              <a:t>The application is designed with two distinct purposes, creating resumes and searching a database of resumes. </a:t>
+              <a:t>The system is designed to have open access to the database, there is no sign up procedure, authentication is made through the OAUTH API, so all is needed is an FAU email account.</a:t>
             </a:r>
           </a:p>
           <a:p>
@@ -4522,18 +4193,8 @@
                   <a:srgbClr val="000000"/>
                 </a:solidFill>
               </a:rPr>
-              <a:t>A feature of the system is the open access to the database, there is no sign up procedure, authentication is made through the OAUTH API, so all is needed is an FAU email account.</a:t>
+              <a:t>The search feature is also available to all the users, so any students that may also be owners or managers of businesses may also search the database. </a:t>
             </a:r>
-          </a:p>
-          <a:p>
-            <a:pPr>
-              <a:defRPr/>
-            </a:pPr>
-            <a:endParaRPr lang="en-US" altLang="en-US" sz="4400" dirty="0">
-              <a:solidFill>
-                <a:srgbClr val="000000"/>
-              </a:solidFill>
-            </a:endParaRPr>
           </a:p>
           <a:p>
             <a:pPr>
@@ -4545,18 +4206,8 @@
                   <a:srgbClr val="000000"/>
                 </a:solidFill>
               </a:rPr>
-              <a:t>The search feature is also available to all the users, so any students that may also be owners or managers of businesses may also search the database. Opening the access to the entire school maximizes exposure and possibilities for students.</a:t>
+              <a:t>Opening the access to the entire school maximizes exposure and possibilities for students.</a:t>
             </a:r>
-          </a:p>
-          <a:p>
-            <a:pPr>
-              <a:defRPr/>
-            </a:pPr>
-            <a:endParaRPr lang="en-US" altLang="en-US" sz="4400" dirty="0">
-              <a:solidFill>
-                <a:srgbClr val="000000"/>
-              </a:solidFill>
-            </a:endParaRPr>
           </a:p>
           <a:p>
             <a:pPr>
@@ -4568,11 +4219,319 @@
                   <a:srgbClr val="000000"/>
                 </a:solidFill>
               </a:rPr>
-              <a:t>Resumes can be searched by using preset values or by a text field. The preset values are aggregated into the database as users create their resumes, allowing for a continuously adaptable database. </a:t>
+              <a:t>Resumes can be searched by using preset values or by a text field. The preset values are aggregated into the database as users create their resumes, allowing for a continuously up to date options on the database. </a:t>
             </a:r>
           </a:p>
         </p:txBody>
       </p:sp>
+      <p:pic>
+        <p:nvPicPr>
+          <p:cNvPr id="5" name="Picture 4"/>
+          <p:cNvPicPr>
+            <a:picLocks noChangeAspect="1"/>
+          </p:cNvPicPr>
+          <p:nvPr/>
+        </p:nvPicPr>
+        <p:blipFill>
+          <a:blip r:embed="rId7">
+            <a:extLst>
+              <a:ext uri="{28A0092B-C50C-407E-A947-70E740481C1C}">
+                <a14:useLocalDpi xmlns:a14="http://schemas.microsoft.com/office/drawing/2010/main" val="0"/>
+              </a:ext>
+            </a:extLst>
+          </a:blip>
+          <a:stretch>
+            <a:fillRect/>
+          </a:stretch>
+        </p:blipFill>
+        <p:spPr>
+          <a:xfrm>
+            <a:off x="19675658" y="8869386"/>
+            <a:ext cx="12556941" cy="7978487"/>
+          </a:xfrm>
+          <a:prstGeom prst="rect">
+            <a:avLst/>
+          </a:prstGeom>
+        </p:spPr>
+      </p:pic>
+      <p:sp>
+        <p:nvSpPr>
+          <p:cNvPr id="26" name="Rectangle 1"/>
+          <p:cNvSpPr>
+            <a:spLocks noChangeArrowheads="1"/>
+          </p:cNvSpPr>
+          <p:nvPr/>
+        </p:nvSpPr>
+        <p:spPr bwMode="auto">
+          <a:xfrm>
+            <a:off x="33856267" y="7357378"/>
+            <a:ext cx="9372600" cy="12649617"/>
+          </a:xfrm>
+          <a:prstGeom prst="rect">
+            <a:avLst/>
+          </a:prstGeom>
+          <a:noFill/>
+          <a:ln>
+            <a:noFill/>
+          </a:ln>
+          <a:extLst>
+            <a:ext uri="{909E8E84-426E-40DD-AFC4-6F175D3DCCD1}">
+              <a14:hiddenFill xmlns:a14="http://schemas.microsoft.com/office/drawing/2010/main">
+                <a:solidFill>
+                  <a:srgbClr val="FFFFFF"/>
+                </a:solidFill>
+              </a14:hiddenFill>
+            </a:ext>
+            <a:ext uri="{91240B29-F687-4F45-9708-019B960494DF}">
+              <a14:hiddenLine xmlns:a14="http://schemas.microsoft.com/office/drawing/2010/main" w="9525">
+                <a:solidFill>
+                  <a:srgbClr val="000000"/>
+                </a:solidFill>
+                <a:miter lim="800000"/>
+                <a:headEnd/>
+                <a:tailEnd/>
+              </a14:hiddenLine>
+            </a:ext>
+          </a:extLst>
+        </p:spPr>
+        <p:txBody>
+          <a:bodyPr>
+            <a:spAutoFit/>
+          </a:bodyPr>
+          <a:lstStyle>
+            <a:lvl1pPr>
+              <a:defRPr sz="8600">
+                <a:solidFill>
+                  <a:schemeClr val="tx1"/>
+                </a:solidFill>
+                <a:latin typeface="Calibri" panose="020F0502020204030204" pitchFamily="34" charset="0"/>
+                <a:ea typeface="ＭＳ Ｐゴシック" panose="020B0600070205080204" pitchFamily="34" charset="-128"/>
+              </a:defRPr>
+            </a:lvl1pPr>
+            <a:lvl2pPr marL="742950" indent="-285750">
+              <a:defRPr sz="8600">
+                <a:solidFill>
+                  <a:schemeClr val="tx1"/>
+                </a:solidFill>
+                <a:latin typeface="Calibri" panose="020F0502020204030204" pitchFamily="34" charset="0"/>
+                <a:ea typeface="ＭＳ Ｐゴシック" panose="020B0600070205080204" pitchFamily="34" charset="-128"/>
+              </a:defRPr>
+            </a:lvl2pPr>
+            <a:lvl3pPr marL="1143000" indent="-228600">
+              <a:defRPr sz="8600">
+                <a:solidFill>
+                  <a:schemeClr val="tx1"/>
+                </a:solidFill>
+                <a:latin typeface="Calibri" panose="020F0502020204030204" pitchFamily="34" charset="0"/>
+                <a:ea typeface="ＭＳ Ｐゴシック" panose="020B0600070205080204" pitchFamily="34" charset="-128"/>
+              </a:defRPr>
+            </a:lvl3pPr>
+            <a:lvl4pPr marL="1600200" indent="-228600">
+              <a:defRPr sz="8600">
+                <a:solidFill>
+                  <a:schemeClr val="tx1"/>
+                </a:solidFill>
+                <a:latin typeface="Calibri" panose="020F0502020204030204" pitchFamily="34" charset="0"/>
+                <a:ea typeface="ＭＳ Ｐゴシック" panose="020B0600070205080204" pitchFamily="34" charset="-128"/>
+              </a:defRPr>
+            </a:lvl4pPr>
+            <a:lvl5pPr marL="2057400" indent="-228600">
+              <a:defRPr sz="8600">
+                <a:solidFill>
+                  <a:schemeClr val="tx1"/>
+                </a:solidFill>
+                <a:latin typeface="Calibri" panose="020F0502020204030204" pitchFamily="34" charset="0"/>
+                <a:ea typeface="ＭＳ Ｐゴシック" panose="020B0600070205080204" pitchFamily="34" charset="-128"/>
+              </a:defRPr>
+            </a:lvl5pPr>
+            <a:lvl6pPr marL="2514600" indent="-228600" defTabSz="4387850" eaLnBrk="0" fontAlgn="base" hangingPunct="0">
+              <a:spcBef>
+                <a:spcPct val="0"/>
+              </a:spcBef>
+              <a:spcAft>
+                <a:spcPct val="0"/>
+              </a:spcAft>
+              <a:defRPr sz="8600">
+                <a:solidFill>
+                  <a:schemeClr val="tx1"/>
+                </a:solidFill>
+                <a:latin typeface="Calibri" panose="020F0502020204030204" pitchFamily="34" charset="0"/>
+                <a:ea typeface="ＭＳ Ｐゴシック" panose="020B0600070205080204" pitchFamily="34" charset="-128"/>
+              </a:defRPr>
+            </a:lvl6pPr>
+            <a:lvl7pPr marL="2971800" indent="-228600" defTabSz="4387850" eaLnBrk="0" fontAlgn="base" hangingPunct="0">
+              <a:spcBef>
+                <a:spcPct val="0"/>
+              </a:spcBef>
+              <a:spcAft>
+                <a:spcPct val="0"/>
+              </a:spcAft>
+              <a:defRPr sz="8600">
+                <a:solidFill>
+                  <a:schemeClr val="tx1"/>
+                </a:solidFill>
+                <a:latin typeface="Calibri" panose="020F0502020204030204" pitchFamily="34" charset="0"/>
+                <a:ea typeface="ＭＳ Ｐゴシック" panose="020B0600070205080204" pitchFamily="34" charset="-128"/>
+              </a:defRPr>
+            </a:lvl7pPr>
+            <a:lvl8pPr marL="3429000" indent="-228600" defTabSz="4387850" eaLnBrk="0" fontAlgn="base" hangingPunct="0">
+              <a:spcBef>
+                <a:spcPct val="0"/>
+              </a:spcBef>
+              <a:spcAft>
+                <a:spcPct val="0"/>
+              </a:spcAft>
+              <a:defRPr sz="8600">
+                <a:solidFill>
+                  <a:schemeClr val="tx1"/>
+                </a:solidFill>
+                <a:latin typeface="Calibri" panose="020F0502020204030204" pitchFamily="34" charset="0"/>
+                <a:ea typeface="ＭＳ Ｐゴシック" panose="020B0600070205080204" pitchFamily="34" charset="-128"/>
+              </a:defRPr>
+            </a:lvl8pPr>
+            <a:lvl9pPr marL="3886200" indent="-228600" defTabSz="4387850" eaLnBrk="0" fontAlgn="base" hangingPunct="0">
+              <a:spcBef>
+                <a:spcPct val="0"/>
+              </a:spcBef>
+              <a:spcAft>
+                <a:spcPct val="0"/>
+              </a:spcAft>
+              <a:defRPr sz="8600">
+                <a:solidFill>
+                  <a:schemeClr val="tx1"/>
+                </a:solidFill>
+                <a:latin typeface="Calibri" panose="020F0502020204030204" pitchFamily="34" charset="0"/>
+                <a:ea typeface="ＭＳ Ｐゴシック" panose="020B0600070205080204" pitchFamily="34" charset="-128"/>
+              </a:defRPr>
+            </a:lvl9pPr>
+          </a:lstStyle>
+          <a:p>
+            <a:pPr algn="ctr">
+              <a:defRPr/>
+            </a:pPr>
+            <a:r>
+              <a:rPr lang="en-US" altLang="en-US" sz="6000" b="1" dirty="0">
+                <a:solidFill>
+                  <a:srgbClr val="C10435"/>
+                </a:solidFill>
+                <a:cs typeface="+mn-cs"/>
+              </a:rPr>
+              <a:t>Searching</a:t>
+            </a:r>
+            <a:endParaRPr lang="en-US" altLang="en-US" sz="6000" dirty="0">
+              <a:solidFill>
+                <a:prstClr val="black"/>
+              </a:solidFill>
+              <a:cs typeface="+mn-cs"/>
+            </a:endParaRPr>
+          </a:p>
+          <a:p>
+            <a:pPr>
+              <a:defRPr/>
+            </a:pPr>
+            <a:r>
+              <a:rPr lang="en-US" altLang="en-US" sz="4200" dirty="0">
+                <a:solidFill>
+                  <a:prstClr val="black"/>
+                </a:solidFill>
+                <a:cs typeface="+mn-cs"/>
+              </a:rPr>
+              <a:t>The database structure was designed to normalize the values available in the search parameter by using reference tables for all the skills listed on the resumes. To accommodate the large variety of skills mainly on the Computer Science and Computer Engineering fields, entries are suggested via auto complete. As new skills are added for the first time, the list of suggestion grows by adding to a catalog table of skills.</a:t>
+            </a:r>
+          </a:p>
+          <a:p>
+            <a:pPr>
+              <a:defRPr/>
+            </a:pPr>
+            <a:endParaRPr lang="en-US" altLang="en-US" sz="4200" dirty="0">
+              <a:solidFill>
+                <a:prstClr val="black"/>
+              </a:solidFill>
+              <a:cs typeface="+mn-cs"/>
+            </a:endParaRPr>
+          </a:p>
+          <a:p>
+            <a:pPr>
+              <a:defRPr/>
+            </a:pPr>
+            <a:r>
+              <a:rPr lang="en-US" altLang="en-US" sz="4200" dirty="0">
+                <a:solidFill>
+                  <a:prstClr val="black"/>
+                </a:solidFill>
+                <a:cs typeface="+mn-cs"/>
+              </a:rPr>
+              <a:t>Searching is also possible by doing keyword searches on the introduction and additional information field if the employer is looking for specific characteristics not present under the skills category.</a:t>
+            </a:r>
+            <a:endParaRPr lang="en-US" altLang="en-US" sz="4200" dirty="0">
+              <a:solidFill>
+                <a:srgbClr val="000000"/>
+              </a:solidFill>
+              <a:cs typeface="+mn-cs"/>
+            </a:endParaRPr>
+          </a:p>
+        </p:txBody>
+      </p:sp>
+      <p:pic>
+        <p:nvPicPr>
+          <p:cNvPr id="15" name="Picture 14"/>
+          <p:cNvPicPr>
+            <a:picLocks noChangeAspect="1"/>
+          </p:cNvPicPr>
+          <p:nvPr/>
+        </p:nvPicPr>
+        <p:blipFill>
+          <a:blip r:embed="rId8">
+            <a:extLst>
+              <a:ext uri="{28A0092B-C50C-407E-A947-70E740481C1C}">
+                <a14:useLocalDpi xmlns:a14="http://schemas.microsoft.com/office/drawing/2010/main" val="0"/>
+              </a:ext>
+            </a:extLst>
+          </a:blip>
+          <a:stretch>
+            <a:fillRect/>
+          </a:stretch>
+        </p:blipFill>
+        <p:spPr>
+          <a:xfrm>
+            <a:off x="11277599" y="18471673"/>
+            <a:ext cx="10524539" cy="11436318"/>
+          </a:xfrm>
+          <a:prstGeom prst="rect">
+            <a:avLst/>
+          </a:prstGeom>
+        </p:spPr>
+      </p:pic>
+      <p:pic>
+        <p:nvPicPr>
+          <p:cNvPr id="16" name="Picture 15"/>
+          <p:cNvPicPr>
+            <a:picLocks noChangeAspect="1"/>
+          </p:cNvPicPr>
+          <p:nvPr/>
+        </p:nvPicPr>
+        <p:blipFill>
+          <a:blip r:embed="rId9">
+            <a:extLst>
+              <a:ext uri="{28A0092B-C50C-407E-A947-70E740481C1C}">
+                <a14:useLocalDpi xmlns:a14="http://schemas.microsoft.com/office/drawing/2010/main" val="0"/>
+              </a:ext>
+            </a:extLst>
+          </a:blip>
+          <a:stretch>
+            <a:fillRect/>
+          </a:stretch>
+        </p:blipFill>
+        <p:spPr>
+          <a:xfrm>
+            <a:off x="22592236" y="19402421"/>
+            <a:ext cx="10055661" cy="9493728"/>
+          </a:xfrm>
+          <a:prstGeom prst="rect">
+            <a:avLst/>
+          </a:prstGeom>
+        </p:spPr>
+      </p:pic>
     </p:spTree>
   </p:cSld>
   <p:clrMapOvr>
